--- a/Amazon Sales Report Analysis.pptx
+++ b/Amazon Sales Report Analysis.pptx
@@ -10643,8 +10643,17 @@
           <a:p>
             <a:r>
               <a:rPr lang="en-US" dirty="0"/>
-              <a:t>54.33M and 24.26M total amount of sales made by Amazon and Merchant fulfilment.</a:t>
+              <a:t>Amazon can increase their sales by promoting Dress Categories like T-shirt, Shirt, </a:t>
             </a:r>
+            <a:r>
+              <a:rPr lang="en-US" dirty="0" err="1"/>
+              <a:t>Blazzers</a:t>
+            </a:r>
+            <a:r>
+              <a:rPr lang="en-US"/>
+              <a:t>.</a:t>
+            </a:r>
+            <a:endParaRPr lang="en-US" dirty="0"/>
           </a:p>
         </p:txBody>
       </p:sp>
